--- a/Final Report/Predicting Credit Card Default with scikit-learn.pptx
+++ b/Final Report/Predicting Credit Card Default with scikit-learn.pptx
@@ -120,6 +120,11 @@
       </a:defRPr>
     </a:lvl9pPr>
   </p:defaultTextStyle>
+  <p:extLst>
+    <p:ext uri="{EFAFB233-063F-42B5-8137-9DF3F51BA10A}">
+      <p15:sldGuideLst xmlns:p15="http://schemas.microsoft.com/office/powerpoint/2012/main"/>
+    </p:ext>
+  </p:extLst>
 </p:presentation>
 </file>
 
@@ -262,7 +267,7 @@
           <a:p>
             <a:fld id="{48A87A34-81AB-432B-8DAE-1953F412C126}" type="datetimeFigureOut">
               <a:rPr lang="en-US" dirty="0"/>
-              <a:t>2/5/2019</a:t>
+              <a:t>2/7/2019</a:t>
             </a:fld>
             <a:endParaRPr lang="en-US" dirty="0"/>
           </a:p>
@@ -477,7 +482,7 @@
           <a:p>
             <a:fld id="{48A87A34-81AB-432B-8DAE-1953F412C126}" type="datetimeFigureOut">
               <a:rPr lang="en-US" dirty="0"/>
-              <a:t>2/5/2019</a:t>
+              <a:t>2/7/2019</a:t>
             </a:fld>
             <a:endParaRPr lang="en-US" dirty="0"/>
           </a:p>
@@ -696,7 +701,7 @@
           <a:p>
             <a:fld id="{48A87A34-81AB-432B-8DAE-1953F412C126}" type="datetimeFigureOut">
               <a:rPr lang="en-US" dirty="0"/>
-              <a:t>2/5/2019</a:t>
+              <a:t>2/7/2019</a:t>
             </a:fld>
             <a:endParaRPr lang="en-US" dirty="0"/>
           </a:p>
@@ -906,7 +911,7 @@
             <a:fld id="{48A87A34-81AB-432B-8DAE-1953F412C126}" type="datetimeFigureOut">
               <a:rPr lang="en-US" dirty="0"/>
               <a:pPr/>
-              <a:t>2/5/2019</a:t>
+              <a:t>2/7/2019</a:t>
             </a:fld>
             <a:endParaRPr lang="en-US" dirty="0"/>
           </a:p>
@@ -1193,7 +1198,7 @@
           <a:p>
             <a:fld id="{48A87A34-81AB-432B-8DAE-1953F412C126}" type="datetimeFigureOut">
               <a:rPr lang="en-US" dirty="0"/>
-              <a:t>2/5/2019</a:t>
+              <a:t>2/7/2019</a:t>
             </a:fld>
             <a:endParaRPr lang="en-US" dirty="0"/>
           </a:p>
@@ -1465,7 +1470,7 @@
           <a:p>
             <a:fld id="{48A87A34-81AB-432B-8DAE-1953F412C126}" type="datetimeFigureOut">
               <a:rPr lang="en-US" dirty="0"/>
-              <a:t>2/5/2019</a:t>
+              <a:t>2/7/2019</a:t>
             </a:fld>
             <a:endParaRPr lang="en-US" dirty="0"/>
           </a:p>
@@ -1885,7 +1890,7 @@
           <a:p>
             <a:fld id="{48A87A34-81AB-432B-8DAE-1953F412C126}" type="datetimeFigureOut">
               <a:rPr lang="en-US" dirty="0"/>
-              <a:t>2/5/2019</a:t>
+              <a:t>2/7/2019</a:t>
             </a:fld>
             <a:endParaRPr lang="en-US" dirty="0"/>
           </a:p>
@@ -2038,7 +2043,7 @@
           <a:p>
             <a:fld id="{48A87A34-81AB-432B-8DAE-1953F412C126}" type="datetimeFigureOut">
               <a:rPr lang="en-US" dirty="0"/>
-              <a:t>2/5/2019</a:t>
+              <a:t>2/7/2019</a:t>
             </a:fld>
             <a:endParaRPr lang="en-US" dirty="0"/>
           </a:p>
@@ -2168,7 +2173,7 @@
           <a:p>
             <a:fld id="{48A87A34-81AB-432B-8DAE-1953F412C126}" type="datetimeFigureOut">
               <a:rPr lang="en-US" dirty="0"/>
-              <a:t>2/5/2019</a:t>
+              <a:t>2/7/2019</a:t>
             </a:fld>
             <a:endParaRPr lang="en-US" dirty="0"/>
           </a:p>
@@ -2414,7 +2419,7 @@
           <a:p>
             <a:fld id="{48A87A34-81AB-432B-8DAE-1953F412C126}" type="datetimeFigureOut">
               <a:rPr lang="en-US" dirty="0"/>
-              <a:t>2/5/2019</a:t>
+              <a:t>2/7/2019</a:t>
             </a:fld>
             <a:endParaRPr lang="en-US" dirty="0"/>
           </a:p>
@@ -2870,7 +2875,7 @@
             <a:fld id="{48A87A34-81AB-432B-8DAE-1953F412C126}" type="datetimeFigureOut">
               <a:rPr lang="en-US" dirty="0"/>
               <a:pPr/>
-              <a:t>2/5/2019</a:t>
+              <a:t>2/7/2019</a:t>
             </a:fld>
             <a:endParaRPr lang="en-US" dirty="0"/>
           </a:p>
@@ -3247,7 +3252,7 @@
             <a:fld id="{48A87A34-81AB-432B-8DAE-1953F412C126}" type="datetimeFigureOut">
               <a:rPr lang="en-US" dirty="0"/>
               <a:pPr/>
-              <a:t>2/5/2019</a:t>
+              <a:t>2/7/2019</a:t>
             </a:fld>
             <a:endParaRPr lang="en-US" dirty="0"/>
           </a:p>
@@ -4351,7 +4356,7 @@
         </p:spPr>
         <p:txBody>
           <a:bodyPr>
-            <a:normAutofit/>
+            <a:normAutofit fontScale="92500" lnSpcReduction="20000"/>
           </a:bodyPr>
           <a:lstStyle/>
           <a:p>
@@ -4363,6 +4368,17 @@
             <a:r>
               <a:rPr lang="en-CA" dirty="0"/>
               <a:t>A third finding was that while age is certainly related to education with more educated individuals being younger in our dataset, it was not a significant factor in distinguishing between defaulters and non-defaulters.</a:t>
+            </a:r>
+          </a:p>
+          <a:p>
+            <a:pPr>
+              <a:lnSpc>
+                <a:spcPct val="110000"/>
+              </a:lnSpc>
+            </a:pPr>
+            <a:r>
+              <a:rPr lang="en-CA" dirty="0"/>
+              <a:t>The table shows average age for individuals, broken down by education and whether they defaulted or not.</a:t>
             </a:r>
           </a:p>
           <a:p>
@@ -4578,7 +4594,7 @@
             </a:r>
             <a:r>
               <a:rPr lang="en-CA" dirty="0"/>
-              <a:t>() object, trained the model, and scored it</a:t>
+              <a:t>() object, trained the model, and scored it.</a:t>
             </a:r>
           </a:p>
           <a:p>
@@ -5079,8 +5095,8 @@
         </p:blipFill>
         <p:spPr>
           <a:xfrm>
-            <a:off x="6094411" y="2349552"/>
-            <a:ext cx="4960442" cy="1572823"/>
+            <a:off x="5714592" y="2167150"/>
+            <a:ext cx="5356378" cy="1818923"/>
           </a:xfrm>
           <a:prstGeom prst="rect">
             <a:avLst/>
@@ -5270,7 +5286,7 @@
           <a:p>
             <a:r>
               <a:rPr lang="en-CA" dirty="0"/>
-              <a:t>Analysis Results	</a:t>
+              <a:t>Analysis Results (continued)	</a:t>
             </a:r>
           </a:p>
         </p:txBody>
@@ -6505,7 +6521,9 @@
         </p:nvSpPr>
         <p:spPr/>
         <p:txBody>
-          <a:bodyPr/>
+          <a:bodyPr>
+            <a:normAutofit/>
+          </a:bodyPr>
           <a:lstStyle/>
           <a:p>
             <a:r>
@@ -6531,7 +6549,15 @@
             <a:pPr lvl="1"/>
             <a:r>
               <a:rPr lang="en-CA" dirty="0"/>
-              <a:t>EDUCATION column: Contained values of 0 (not part of dataset description). Furthermore, it contained 2 different coding for “unknown” and 1 coding for “other”. The choice was made to recode all these values to “other”. </a:t>
+              <a:t>EDUCATION column: Contained values of 0 (not part of dataset description). Furthermore, it contained 2 different </a:t>
+            </a:r>
+            <a:r>
+              <a:rPr lang="en-CA" dirty="0" err="1"/>
+              <a:t>codings</a:t>
+            </a:r>
+            <a:r>
+              <a:rPr lang="en-CA" dirty="0"/>
+              <a:t> for “unknown” and 1 coding for “other”. The choice was made to recode all these values to “other”. </a:t>
             </a:r>
           </a:p>
         </p:txBody>
@@ -6632,14 +6658,14 @@
             <a:pPr lvl="1"/>
             <a:r>
               <a:rPr lang="en-CA" dirty="0"/>
-              <a:t>Default was negatively correlated with credit (-0.15), meaning that individuals with more credit defaulted less. A reason for this could be that the credit-issuing agency would only extend credit to individuals they knew less likely to default</a:t>
+              <a:t>Default was negatively correlated with credit (-0.15), meaning that individuals with more credit defaulted less. A reason for this could be that the credit-issuing agency would only extend credit to individuals they knew were less likely to default</a:t>
             </a:r>
           </a:p>
           <a:p>
             <a:pPr lvl="1"/>
             <a:r>
               <a:rPr lang="en-CA" dirty="0"/>
-              <a:t>Default with positively correlated with repayment status, meaning individuals who were more behind on payments were more likely to default. Furthermore the correlation increased with time, meaning repayment status mattered more for predicting default at later times than at earlier times. The correlations ranged from 0.24 in the earliest month to 0.4 in the latest. </a:t>
+              <a:t>Default was positively correlated with repayment status, meaning individuals who were more behind on payments were more likely to default. Furthermore the correlation increased with time, meaning repayment status at later times mattered more for predicting default than at earlier times. The correlations ranged from 0.24 in the earliest month to 0.4 in the latest. </a:t>
             </a:r>
           </a:p>
           <a:p>
